--- a/ppt 16-9/0602.赞美主.pptx
+++ b/ppt 16-9/0602.赞美主.pptx
@@ -5,7 +5,7 @@
     <p:sldMasterId id="2147483648" r:id="rId1"/>
   </p:sldMasterIdLst>
   <p:sldIdLst>
-    <p:sldId id="2383" r:id="rId2"/>
+    <p:sldId id="2384" r:id="rId2"/>
   </p:sldIdLst>
   <p:sldSz cx="12192000" cy="6858000"/>
   <p:notesSz cx="6858000" cy="9144000"/>
@@ -129,7 +129,7 @@
           <p:cNvPr id="2" name="标题 1">
             <a:extLst>
               <a:ext uri="{FF2B5EF4-FFF2-40B4-BE49-F238E27FC236}">
-                <a16:creationId xmlns:a16="http://schemas.microsoft.com/office/drawing/2014/main" id="{4312B539-B7CA-EE0B-B3AE-73CB0957D2AA}"/>
+                <a16:creationId xmlns:a16="http://schemas.microsoft.com/office/drawing/2014/main" id="{A9C33C9C-AA15-70A4-18E3-EF58A6188DCE}"/>
               </a:ext>
             </a:extLst>
           </p:cNvPr>
@@ -166,7 +166,7 @@
           <p:cNvPr id="3" name="副标题 2">
             <a:extLst>
               <a:ext uri="{FF2B5EF4-FFF2-40B4-BE49-F238E27FC236}">
-                <a16:creationId xmlns:a16="http://schemas.microsoft.com/office/drawing/2014/main" id="{A85E6E74-4045-34B9-3BB5-054BBB719F38}"/>
+                <a16:creationId xmlns:a16="http://schemas.microsoft.com/office/drawing/2014/main" id="{C5045B65-5B7F-5CD7-D182-65618B881F2B}"/>
               </a:ext>
             </a:extLst>
           </p:cNvPr>
@@ -236,7 +236,7 @@
           <p:cNvPr id="4" name="日期占位符 3">
             <a:extLst>
               <a:ext uri="{FF2B5EF4-FFF2-40B4-BE49-F238E27FC236}">
-                <a16:creationId xmlns:a16="http://schemas.microsoft.com/office/drawing/2014/main" id="{98832E5B-0CA7-449B-B633-C146D3864301}"/>
+                <a16:creationId xmlns:a16="http://schemas.microsoft.com/office/drawing/2014/main" id="{CF386A7B-0AAC-C908-A92A-42CBB1A09694}"/>
               </a:ext>
             </a:extLst>
           </p:cNvPr>
@@ -252,7 +252,7 @@
           <a:bodyPr/>
           <a:lstStyle/>
           <a:p>
-            <a:fld id="{9A72A45F-1DB0-46C9-941C-FA03A5DA54D3}" type="datetimeFigureOut">
+            <a:fld id="{D331E944-9AF7-49B9-AC5F-5119943427A5}" type="datetimeFigureOut">
               <a:rPr lang="zh-CN" altLang="en-US" smtClean="0"/>
               <a:t>2024/3/10</a:t>
             </a:fld>
@@ -265,7 +265,7 @@
           <p:cNvPr id="5" name="页脚占位符 4">
             <a:extLst>
               <a:ext uri="{FF2B5EF4-FFF2-40B4-BE49-F238E27FC236}">
-                <a16:creationId xmlns:a16="http://schemas.microsoft.com/office/drawing/2014/main" id="{D69F0166-FCDD-C600-BF63-43877CE8FD10}"/>
+                <a16:creationId xmlns:a16="http://schemas.microsoft.com/office/drawing/2014/main" id="{B8648722-318E-CFEA-57DF-09CF8E135CDB}"/>
               </a:ext>
             </a:extLst>
           </p:cNvPr>
@@ -290,7 +290,7 @@
           <p:cNvPr id="6" name="灯片编号占位符 5">
             <a:extLst>
               <a:ext uri="{FF2B5EF4-FFF2-40B4-BE49-F238E27FC236}">
-                <a16:creationId xmlns:a16="http://schemas.microsoft.com/office/drawing/2014/main" id="{5951F10B-C088-0949-E3B1-91CECAA6D4AB}"/>
+                <a16:creationId xmlns:a16="http://schemas.microsoft.com/office/drawing/2014/main" id="{4B7643CA-7805-1615-0138-05AB66309D61}"/>
               </a:ext>
             </a:extLst>
           </p:cNvPr>
@@ -306,7 +306,7 @@
           <a:bodyPr/>
           <a:lstStyle/>
           <a:p>
-            <a:fld id="{2FF7907A-8093-490A-A382-A47475755B94}" type="slidenum">
+            <a:fld id="{AB5CC25A-85EB-4D6B-A5FA-71DE27B694C6}" type="slidenum">
               <a:rPr lang="zh-CN" altLang="en-US" smtClean="0"/>
               <a:t>‹#›</a:t>
             </a:fld>
@@ -317,7 +317,7 @@
     </p:spTree>
     <p:extLst>
       <p:ext uri="{BB962C8B-B14F-4D97-AF65-F5344CB8AC3E}">
-        <p14:creationId xmlns:p14="http://schemas.microsoft.com/office/powerpoint/2010/main" val="526088637"/>
+        <p14:creationId xmlns:p14="http://schemas.microsoft.com/office/powerpoint/2010/main" val="243275294"/>
       </p:ext>
     </p:extLst>
   </p:cSld>
@@ -349,7 +349,7 @@
           <p:cNvPr id="2" name="标题 1">
             <a:extLst>
               <a:ext uri="{FF2B5EF4-FFF2-40B4-BE49-F238E27FC236}">
-                <a16:creationId xmlns:a16="http://schemas.microsoft.com/office/drawing/2014/main" id="{94432B47-1E18-C995-9985-C28FD7420CF7}"/>
+                <a16:creationId xmlns:a16="http://schemas.microsoft.com/office/drawing/2014/main" id="{DAB5B127-169C-D819-14E5-CC5EECC0AC16}"/>
               </a:ext>
             </a:extLst>
           </p:cNvPr>
@@ -377,7 +377,7 @@
           <p:cNvPr id="3" name="竖排文字占位符 2">
             <a:extLst>
               <a:ext uri="{FF2B5EF4-FFF2-40B4-BE49-F238E27FC236}">
-                <a16:creationId xmlns:a16="http://schemas.microsoft.com/office/drawing/2014/main" id="{10498913-58EF-0F29-5EEC-7DB5BA16CCA7}"/>
+                <a16:creationId xmlns:a16="http://schemas.microsoft.com/office/drawing/2014/main" id="{1377BF5A-7F34-0F9D-C367-DC13884798EE}"/>
               </a:ext>
             </a:extLst>
           </p:cNvPr>
@@ -434,7 +434,7 @@
           <p:cNvPr id="4" name="日期占位符 3">
             <a:extLst>
               <a:ext uri="{FF2B5EF4-FFF2-40B4-BE49-F238E27FC236}">
-                <a16:creationId xmlns:a16="http://schemas.microsoft.com/office/drawing/2014/main" id="{DB25DF55-8FFE-8FDB-448D-F7FDAF9C6A7F}"/>
+                <a16:creationId xmlns:a16="http://schemas.microsoft.com/office/drawing/2014/main" id="{55BE7B7B-2289-4869-C7C1-62182590E2BA}"/>
               </a:ext>
             </a:extLst>
           </p:cNvPr>
@@ -450,7 +450,7 @@
           <a:bodyPr/>
           <a:lstStyle/>
           <a:p>
-            <a:fld id="{9A72A45F-1DB0-46C9-941C-FA03A5DA54D3}" type="datetimeFigureOut">
+            <a:fld id="{D331E944-9AF7-49B9-AC5F-5119943427A5}" type="datetimeFigureOut">
               <a:rPr lang="zh-CN" altLang="en-US" smtClean="0"/>
               <a:t>2024/3/10</a:t>
             </a:fld>
@@ -463,7 +463,7 @@
           <p:cNvPr id="5" name="页脚占位符 4">
             <a:extLst>
               <a:ext uri="{FF2B5EF4-FFF2-40B4-BE49-F238E27FC236}">
-                <a16:creationId xmlns:a16="http://schemas.microsoft.com/office/drawing/2014/main" id="{E4221729-CFB3-B54A-D794-184CD19E0201}"/>
+                <a16:creationId xmlns:a16="http://schemas.microsoft.com/office/drawing/2014/main" id="{FFB78EE9-81C2-89D2-0AE9-82F05D4911E6}"/>
               </a:ext>
             </a:extLst>
           </p:cNvPr>
@@ -488,7 +488,7 @@
           <p:cNvPr id="6" name="灯片编号占位符 5">
             <a:extLst>
               <a:ext uri="{FF2B5EF4-FFF2-40B4-BE49-F238E27FC236}">
-                <a16:creationId xmlns:a16="http://schemas.microsoft.com/office/drawing/2014/main" id="{607ADD3B-464A-DCD5-6BAD-CB36F86A3393}"/>
+                <a16:creationId xmlns:a16="http://schemas.microsoft.com/office/drawing/2014/main" id="{E878E303-A29C-6E11-1120-A4CF864A7677}"/>
               </a:ext>
             </a:extLst>
           </p:cNvPr>
@@ -504,7 +504,7 @@
           <a:bodyPr/>
           <a:lstStyle/>
           <a:p>
-            <a:fld id="{2FF7907A-8093-490A-A382-A47475755B94}" type="slidenum">
+            <a:fld id="{AB5CC25A-85EB-4D6B-A5FA-71DE27B694C6}" type="slidenum">
               <a:rPr lang="zh-CN" altLang="en-US" smtClean="0"/>
               <a:t>‹#›</a:t>
             </a:fld>
@@ -515,7 +515,7 @@
     </p:spTree>
     <p:extLst>
       <p:ext uri="{BB962C8B-B14F-4D97-AF65-F5344CB8AC3E}">
-        <p14:creationId xmlns:p14="http://schemas.microsoft.com/office/powerpoint/2010/main" val="601102628"/>
+        <p14:creationId xmlns:p14="http://schemas.microsoft.com/office/powerpoint/2010/main" val="1495999872"/>
       </p:ext>
     </p:extLst>
   </p:cSld>
@@ -547,7 +547,7 @@
           <p:cNvPr id="2" name="竖排标题 1">
             <a:extLst>
               <a:ext uri="{FF2B5EF4-FFF2-40B4-BE49-F238E27FC236}">
-                <a16:creationId xmlns:a16="http://schemas.microsoft.com/office/drawing/2014/main" id="{11AFE9BA-BA74-039B-080B-E44B52B064D2}"/>
+                <a16:creationId xmlns:a16="http://schemas.microsoft.com/office/drawing/2014/main" id="{13B52D70-3A77-FB91-ECD9-82495BF5F984}"/>
               </a:ext>
             </a:extLst>
           </p:cNvPr>
@@ -580,7 +580,7 @@
           <p:cNvPr id="3" name="竖排文字占位符 2">
             <a:extLst>
               <a:ext uri="{FF2B5EF4-FFF2-40B4-BE49-F238E27FC236}">
-                <a16:creationId xmlns:a16="http://schemas.microsoft.com/office/drawing/2014/main" id="{97E6147F-7818-FC20-C9ED-4714D17ACFFB}"/>
+                <a16:creationId xmlns:a16="http://schemas.microsoft.com/office/drawing/2014/main" id="{90C2F4BF-133A-A370-7AAC-E68E06428C5A}"/>
               </a:ext>
             </a:extLst>
           </p:cNvPr>
@@ -642,7 +642,7 @@
           <p:cNvPr id="4" name="日期占位符 3">
             <a:extLst>
               <a:ext uri="{FF2B5EF4-FFF2-40B4-BE49-F238E27FC236}">
-                <a16:creationId xmlns:a16="http://schemas.microsoft.com/office/drawing/2014/main" id="{C508E8D0-213C-9C09-0F88-CB88093A8A24}"/>
+                <a16:creationId xmlns:a16="http://schemas.microsoft.com/office/drawing/2014/main" id="{C9345B7F-3AB6-DD50-2117-AB851BBD4B8F}"/>
               </a:ext>
             </a:extLst>
           </p:cNvPr>
@@ -658,7 +658,7 @@
           <a:bodyPr/>
           <a:lstStyle/>
           <a:p>
-            <a:fld id="{9A72A45F-1DB0-46C9-941C-FA03A5DA54D3}" type="datetimeFigureOut">
+            <a:fld id="{D331E944-9AF7-49B9-AC5F-5119943427A5}" type="datetimeFigureOut">
               <a:rPr lang="zh-CN" altLang="en-US" smtClean="0"/>
               <a:t>2024/3/10</a:t>
             </a:fld>
@@ -671,7 +671,7 @@
           <p:cNvPr id="5" name="页脚占位符 4">
             <a:extLst>
               <a:ext uri="{FF2B5EF4-FFF2-40B4-BE49-F238E27FC236}">
-                <a16:creationId xmlns:a16="http://schemas.microsoft.com/office/drawing/2014/main" id="{AFAE1E8C-C01A-6400-ECEB-14FE6BB1243C}"/>
+                <a16:creationId xmlns:a16="http://schemas.microsoft.com/office/drawing/2014/main" id="{9C9CCAA2-5704-809B-788F-C50D31FF28C5}"/>
               </a:ext>
             </a:extLst>
           </p:cNvPr>
@@ -696,7 +696,7 @@
           <p:cNvPr id="6" name="灯片编号占位符 5">
             <a:extLst>
               <a:ext uri="{FF2B5EF4-FFF2-40B4-BE49-F238E27FC236}">
-                <a16:creationId xmlns:a16="http://schemas.microsoft.com/office/drawing/2014/main" id="{FEB7A9CB-B2A0-A785-8478-57CEE8A8ADCB}"/>
+                <a16:creationId xmlns:a16="http://schemas.microsoft.com/office/drawing/2014/main" id="{8AB8F80F-0EE6-69EE-DFAE-4277BBEC5E34}"/>
               </a:ext>
             </a:extLst>
           </p:cNvPr>
@@ -712,7 +712,7 @@
           <a:bodyPr/>
           <a:lstStyle/>
           <a:p>
-            <a:fld id="{2FF7907A-8093-490A-A382-A47475755B94}" type="slidenum">
+            <a:fld id="{AB5CC25A-85EB-4D6B-A5FA-71DE27B694C6}" type="slidenum">
               <a:rPr lang="zh-CN" altLang="en-US" smtClean="0"/>
               <a:t>‹#›</a:t>
             </a:fld>
@@ -723,7 +723,7 @@
     </p:spTree>
     <p:extLst>
       <p:ext uri="{BB962C8B-B14F-4D97-AF65-F5344CB8AC3E}">
-        <p14:creationId xmlns:p14="http://schemas.microsoft.com/office/powerpoint/2010/main" val="3563482228"/>
+        <p14:creationId xmlns:p14="http://schemas.microsoft.com/office/powerpoint/2010/main" val="2210655302"/>
       </p:ext>
     </p:extLst>
   </p:cSld>
@@ -755,7 +755,7 @@
           <p:cNvPr id="2" name="标题 1">
             <a:extLst>
               <a:ext uri="{FF2B5EF4-FFF2-40B4-BE49-F238E27FC236}">
-                <a16:creationId xmlns:a16="http://schemas.microsoft.com/office/drawing/2014/main" id="{2A35EE6D-301E-6068-1143-AE755F895CC2}"/>
+                <a16:creationId xmlns:a16="http://schemas.microsoft.com/office/drawing/2014/main" id="{27E93264-A720-6439-40C2-0EB806A426AA}"/>
               </a:ext>
             </a:extLst>
           </p:cNvPr>
@@ -783,7 +783,7 @@
           <p:cNvPr id="3" name="内容占位符 2">
             <a:extLst>
               <a:ext uri="{FF2B5EF4-FFF2-40B4-BE49-F238E27FC236}">
-                <a16:creationId xmlns:a16="http://schemas.microsoft.com/office/drawing/2014/main" id="{BD515841-1671-22F5-F8FB-E41AAF411FF7}"/>
+                <a16:creationId xmlns:a16="http://schemas.microsoft.com/office/drawing/2014/main" id="{B6179113-4461-0BE3-2EAB-9A1D596B5FD1}"/>
               </a:ext>
             </a:extLst>
           </p:cNvPr>
@@ -840,7 +840,7 @@
           <p:cNvPr id="4" name="日期占位符 3">
             <a:extLst>
               <a:ext uri="{FF2B5EF4-FFF2-40B4-BE49-F238E27FC236}">
-                <a16:creationId xmlns:a16="http://schemas.microsoft.com/office/drawing/2014/main" id="{75487240-F8F5-4036-21C0-FBF82A237FB2}"/>
+                <a16:creationId xmlns:a16="http://schemas.microsoft.com/office/drawing/2014/main" id="{2956468B-CC75-BF55-DE95-51BB58626154}"/>
               </a:ext>
             </a:extLst>
           </p:cNvPr>
@@ -856,7 +856,7 @@
           <a:bodyPr/>
           <a:lstStyle/>
           <a:p>
-            <a:fld id="{9A72A45F-1DB0-46C9-941C-FA03A5DA54D3}" type="datetimeFigureOut">
+            <a:fld id="{D331E944-9AF7-49B9-AC5F-5119943427A5}" type="datetimeFigureOut">
               <a:rPr lang="zh-CN" altLang="en-US" smtClean="0"/>
               <a:t>2024/3/10</a:t>
             </a:fld>
@@ -869,7 +869,7 @@
           <p:cNvPr id="5" name="页脚占位符 4">
             <a:extLst>
               <a:ext uri="{FF2B5EF4-FFF2-40B4-BE49-F238E27FC236}">
-                <a16:creationId xmlns:a16="http://schemas.microsoft.com/office/drawing/2014/main" id="{AC87A757-E8A1-3BE6-6CB2-A773356D57BB}"/>
+                <a16:creationId xmlns:a16="http://schemas.microsoft.com/office/drawing/2014/main" id="{B725A3EB-FA41-C7BC-5B8C-7DA76A33ED0D}"/>
               </a:ext>
             </a:extLst>
           </p:cNvPr>
@@ -894,7 +894,7 @@
           <p:cNvPr id="6" name="灯片编号占位符 5">
             <a:extLst>
               <a:ext uri="{FF2B5EF4-FFF2-40B4-BE49-F238E27FC236}">
-                <a16:creationId xmlns:a16="http://schemas.microsoft.com/office/drawing/2014/main" id="{309998E1-A24A-D55A-BB0E-E2F04F049530}"/>
+                <a16:creationId xmlns:a16="http://schemas.microsoft.com/office/drawing/2014/main" id="{D1A2F69A-5797-B4BF-ECE7-04E4C6851342}"/>
               </a:ext>
             </a:extLst>
           </p:cNvPr>
@@ -910,7 +910,7 @@
           <a:bodyPr/>
           <a:lstStyle/>
           <a:p>
-            <a:fld id="{2FF7907A-8093-490A-A382-A47475755B94}" type="slidenum">
+            <a:fld id="{AB5CC25A-85EB-4D6B-A5FA-71DE27B694C6}" type="slidenum">
               <a:rPr lang="zh-CN" altLang="en-US" smtClean="0"/>
               <a:t>‹#›</a:t>
             </a:fld>
@@ -921,7 +921,7 @@
     </p:spTree>
     <p:extLst>
       <p:ext uri="{BB962C8B-B14F-4D97-AF65-F5344CB8AC3E}">
-        <p14:creationId xmlns:p14="http://schemas.microsoft.com/office/powerpoint/2010/main" val="1367648152"/>
+        <p14:creationId xmlns:p14="http://schemas.microsoft.com/office/powerpoint/2010/main" val="2254429360"/>
       </p:ext>
     </p:extLst>
   </p:cSld>
@@ -953,7 +953,7 @@
           <p:cNvPr id="2" name="标题 1">
             <a:extLst>
               <a:ext uri="{FF2B5EF4-FFF2-40B4-BE49-F238E27FC236}">
-                <a16:creationId xmlns:a16="http://schemas.microsoft.com/office/drawing/2014/main" id="{3280439E-4E34-7BCE-071B-8442C18F6B3A}"/>
+                <a16:creationId xmlns:a16="http://schemas.microsoft.com/office/drawing/2014/main" id="{59CAA4E8-7EDD-52A1-326A-F52BC4ED9C57}"/>
               </a:ext>
             </a:extLst>
           </p:cNvPr>
@@ -990,7 +990,7 @@
           <p:cNvPr id="3" name="文本占位符 2">
             <a:extLst>
               <a:ext uri="{FF2B5EF4-FFF2-40B4-BE49-F238E27FC236}">
-                <a16:creationId xmlns:a16="http://schemas.microsoft.com/office/drawing/2014/main" id="{27124A6A-B3CA-A64E-6B2D-695400F8B27D}"/>
+                <a16:creationId xmlns:a16="http://schemas.microsoft.com/office/drawing/2014/main" id="{E6016579-91CF-93F3-97FF-245FA48F84BB}"/>
               </a:ext>
             </a:extLst>
           </p:cNvPr>
@@ -1115,7 +1115,7 @@
           <p:cNvPr id="4" name="日期占位符 3">
             <a:extLst>
               <a:ext uri="{FF2B5EF4-FFF2-40B4-BE49-F238E27FC236}">
-                <a16:creationId xmlns:a16="http://schemas.microsoft.com/office/drawing/2014/main" id="{0F350662-2878-6DA7-9AB4-E9DDEB55D8DE}"/>
+                <a16:creationId xmlns:a16="http://schemas.microsoft.com/office/drawing/2014/main" id="{F0249016-8953-C723-E45B-4011B317A6DF}"/>
               </a:ext>
             </a:extLst>
           </p:cNvPr>
@@ -1131,7 +1131,7 @@
           <a:bodyPr/>
           <a:lstStyle/>
           <a:p>
-            <a:fld id="{9A72A45F-1DB0-46C9-941C-FA03A5DA54D3}" type="datetimeFigureOut">
+            <a:fld id="{D331E944-9AF7-49B9-AC5F-5119943427A5}" type="datetimeFigureOut">
               <a:rPr lang="zh-CN" altLang="en-US" smtClean="0"/>
               <a:t>2024/3/10</a:t>
             </a:fld>
@@ -1144,7 +1144,7 @@
           <p:cNvPr id="5" name="页脚占位符 4">
             <a:extLst>
               <a:ext uri="{FF2B5EF4-FFF2-40B4-BE49-F238E27FC236}">
-                <a16:creationId xmlns:a16="http://schemas.microsoft.com/office/drawing/2014/main" id="{C5166F5A-25A1-EF4E-02CF-E9D676E24986}"/>
+                <a16:creationId xmlns:a16="http://schemas.microsoft.com/office/drawing/2014/main" id="{27C5C70A-0B10-6C3C-1245-22318960FC08}"/>
               </a:ext>
             </a:extLst>
           </p:cNvPr>
@@ -1169,7 +1169,7 @@
           <p:cNvPr id="6" name="灯片编号占位符 5">
             <a:extLst>
               <a:ext uri="{FF2B5EF4-FFF2-40B4-BE49-F238E27FC236}">
-                <a16:creationId xmlns:a16="http://schemas.microsoft.com/office/drawing/2014/main" id="{1F72C02E-D661-CABD-8B35-1DB6CAA67578}"/>
+                <a16:creationId xmlns:a16="http://schemas.microsoft.com/office/drawing/2014/main" id="{3E3F5EDE-7D63-CD62-957F-324CCCCD31DF}"/>
               </a:ext>
             </a:extLst>
           </p:cNvPr>
@@ -1185,7 +1185,7 @@
           <a:bodyPr/>
           <a:lstStyle/>
           <a:p>
-            <a:fld id="{2FF7907A-8093-490A-A382-A47475755B94}" type="slidenum">
+            <a:fld id="{AB5CC25A-85EB-4D6B-A5FA-71DE27B694C6}" type="slidenum">
               <a:rPr lang="zh-CN" altLang="en-US" smtClean="0"/>
               <a:t>‹#›</a:t>
             </a:fld>
@@ -1196,7 +1196,7 @@
     </p:spTree>
     <p:extLst>
       <p:ext uri="{BB962C8B-B14F-4D97-AF65-F5344CB8AC3E}">
-        <p14:creationId xmlns:p14="http://schemas.microsoft.com/office/powerpoint/2010/main" val="1328189419"/>
+        <p14:creationId xmlns:p14="http://schemas.microsoft.com/office/powerpoint/2010/main" val="3923669983"/>
       </p:ext>
     </p:extLst>
   </p:cSld>
@@ -1228,7 +1228,7 @@
           <p:cNvPr id="2" name="标题 1">
             <a:extLst>
               <a:ext uri="{FF2B5EF4-FFF2-40B4-BE49-F238E27FC236}">
-                <a16:creationId xmlns:a16="http://schemas.microsoft.com/office/drawing/2014/main" id="{152852DC-21DF-29C0-3FF4-605BE61F4B73}"/>
+                <a16:creationId xmlns:a16="http://schemas.microsoft.com/office/drawing/2014/main" id="{802862C1-0364-2325-5476-64E19FFFD1A8}"/>
               </a:ext>
             </a:extLst>
           </p:cNvPr>
@@ -1256,7 +1256,7 @@
           <p:cNvPr id="3" name="内容占位符 2">
             <a:extLst>
               <a:ext uri="{FF2B5EF4-FFF2-40B4-BE49-F238E27FC236}">
-                <a16:creationId xmlns:a16="http://schemas.microsoft.com/office/drawing/2014/main" id="{96E3C637-22B0-6594-D968-E026CD58409F}"/>
+                <a16:creationId xmlns:a16="http://schemas.microsoft.com/office/drawing/2014/main" id="{D82AB87B-BF4C-2E71-C28A-FED61B12B02D}"/>
               </a:ext>
             </a:extLst>
           </p:cNvPr>
@@ -1318,7 +1318,7 @@
           <p:cNvPr id="4" name="内容占位符 3">
             <a:extLst>
               <a:ext uri="{FF2B5EF4-FFF2-40B4-BE49-F238E27FC236}">
-                <a16:creationId xmlns:a16="http://schemas.microsoft.com/office/drawing/2014/main" id="{F53A7611-7A57-A781-0728-65C280B3EB7F}"/>
+                <a16:creationId xmlns:a16="http://schemas.microsoft.com/office/drawing/2014/main" id="{EF252DA1-943A-C4E5-F26F-C8DC5FD7986F}"/>
               </a:ext>
             </a:extLst>
           </p:cNvPr>
@@ -1380,7 +1380,7 @@
           <p:cNvPr id="5" name="日期占位符 4">
             <a:extLst>
               <a:ext uri="{FF2B5EF4-FFF2-40B4-BE49-F238E27FC236}">
-                <a16:creationId xmlns:a16="http://schemas.microsoft.com/office/drawing/2014/main" id="{FC55F2D2-3FA5-5488-2B33-35C2F7E2F0E3}"/>
+                <a16:creationId xmlns:a16="http://schemas.microsoft.com/office/drawing/2014/main" id="{12B03BE6-FC18-E17F-0BC5-D6A5FADE9FC4}"/>
               </a:ext>
             </a:extLst>
           </p:cNvPr>
@@ -1396,7 +1396,7 @@
           <a:bodyPr/>
           <a:lstStyle/>
           <a:p>
-            <a:fld id="{9A72A45F-1DB0-46C9-941C-FA03A5DA54D3}" type="datetimeFigureOut">
+            <a:fld id="{D331E944-9AF7-49B9-AC5F-5119943427A5}" type="datetimeFigureOut">
               <a:rPr lang="zh-CN" altLang="en-US" smtClean="0"/>
               <a:t>2024/3/10</a:t>
             </a:fld>
@@ -1409,7 +1409,7 @@
           <p:cNvPr id="6" name="页脚占位符 5">
             <a:extLst>
               <a:ext uri="{FF2B5EF4-FFF2-40B4-BE49-F238E27FC236}">
-                <a16:creationId xmlns:a16="http://schemas.microsoft.com/office/drawing/2014/main" id="{8B83ECEA-43F1-3301-5CBA-5F6151FCDB5A}"/>
+                <a16:creationId xmlns:a16="http://schemas.microsoft.com/office/drawing/2014/main" id="{E18CAFB7-ECFD-271E-5E96-3D3B0236D7EC}"/>
               </a:ext>
             </a:extLst>
           </p:cNvPr>
@@ -1434,7 +1434,7 @@
           <p:cNvPr id="7" name="灯片编号占位符 6">
             <a:extLst>
               <a:ext uri="{FF2B5EF4-FFF2-40B4-BE49-F238E27FC236}">
-                <a16:creationId xmlns:a16="http://schemas.microsoft.com/office/drawing/2014/main" id="{060B55B3-2664-84CF-4ED4-287882B5BC3D}"/>
+                <a16:creationId xmlns:a16="http://schemas.microsoft.com/office/drawing/2014/main" id="{1D30F9CF-0AB8-92A4-9385-6F0E2D50E125}"/>
               </a:ext>
             </a:extLst>
           </p:cNvPr>
@@ -1450,7 +1450,7 @@
           <a:bodyPr/>
           <a:lstStyle/>
           <a:p>
-            <a:fld id="{2FF7907A-8093-490A-A382-A47475755B94}" type="slidenum">
+            <a:fld id="{AB5CC25A-85EB-4D6B-A5FA-71DE27B694C6}" type="slidenum">
               <a:rPr lang="zh-CN" altLang="en-US" smtClean="0"/>
               <a:t>‹#›</a:t>
             </a:fld>
@@ -1461,7 +1461,7 @@
     </p:spTree>
     <p:extLst>
       <p:ext uri="{BB962C8B-B14F-4D97-AF65-F5344CB8AC3E}">
-        <p14:creationId xmlns:p14="http://schemas.microsoft.com/office/powerpoint/2010/main" val="917062035"/>
+        <p14:creationId xmlns:p14="http://schemas.microsoft.com/office/powerpoint/2010/main" val="1953315785"/>
       </p:ext>
     </p:extLst>
   </p:cSld>
@@ -1493,7 +1493,7 @@
           <p:cNvPr id="2" name="标题 1">
             <a:extLst>
               <a:ext uri="{FF2B5EF4-FFF2-40B4-BE49-F238E27FC236}">
-                <a16:creationId xmlns:a16="http://schemas.microsoft.com/office/drawing/2014/main" id="{56FC384A-8A8E-87C7-30E0-6DCB1F127DC8}"/>
+                <a16:creationId xmlns:a16="http://schemas.microsoft.com/office/drawing/2014/main" id="{5EA2341D-2F4B-32CD-2E92-FDF3445DBD91}"/>
               </a:ext>
             </a:extLst>
           </p:cNvPr>
@@ -1526,7 +1526,7 @@
           <p:cNvPr id="3" name="文本占位符 2">
             <a:extLst>
               <a:ext uri="{FF2B5EF4-FFF2-40B4-BE49-F238E27FC236}">
-                <a16:creationId xmlns:a16="http://schemas.microsoft.com/office/drawing/2014/main" id="{00263D79-0A79-68C6-A761-A76E94C3DFB2}"/>
+                <a16:creationId xmlns:a16="http://schemas.microsoft.com/office/drawing/2014/main" id="{8694E35B-97DD-D671-A516-223018B65CD5}"/>
               </a:ext>
             </a:extLst>
           </p:cNvPr>
@@ -1597,7 +1597,7 @@
           <p:cNvPr id="4" name="内容占位符 3">
             <a:extLst>
               <a:ext uri="{FF2B5EF4-FFF2-40B4-BE49-F238E27FC236}">
-                <a16:creationId xmlns:a16="http://schemas.microsoft.com/office/drawing/2014/main" id="{9D8A6ABB-EE13-A79E-8E59-24E2AC516B3F}"/>
+                <a16:creationId xmlns:a16="http://schemas.microsoft.com/office/drawing/2014/main" id="{EFB68CFF-850C-D6C5-C73F-6810F1EDFACF}"/>
               </a:ext>
             </a:extLst>
           </p:cNvPr>
@@ -1659,7 +1659,7 @@
           <p:cNvPr id="5" name="文本占位符 4">
             <a:extLst>
               <a:ext uri="{FF2B5EF4-FFF2-40B4-BE49-F238E27FC236}">
-                <a16:creationId xmlns:a16="http://schemas.microsoft.com/office/drawing/2014/main" id="{F1D0FDC1-FD1E-7E24-6B18-0908C5C206C4}"/>
+                <a16:creationId xmlns:a16="http://schemas.microsoft.com/office/drawing/2014/main" id="{0B3FBBE6-0A25-BF38-F2A6-4AA17FC9B495}"/>
               </a:ext>
             </a:extLst>
           </p:cNvPr>
@@ -1730,7 +1730,7 @@
           <p:cNvPr id="6" name="内容占位符 5">
             <a:extLst>
               <a:ext uri="{FF2B5EF4-FFF2-40B4-BE49-F238E27FC236}">
-                <a16:creationId xmlns:a16="http://schemas.microsoft.com/office/drawing/2014/main" id="{EEBFC074-324F-083D-6DE8-9A4AC5E8CEBA}"/>
+                <a16:creationId xmlns:a16="http://schemas.microsoft.com/office/drawing/2014/main" id="{8B1B7A28-8629-3C44-64CB-6DED3C3EA36D}"/>
               </a:ext>
             </a:extLst>
           </p:cNvPr>
@@ -1792,7 +1792,7 @@
           <p:cNvPr id="7" name="日期占位符 6">
             <a:extLst>
               <a:ext uri="{FF2B5EF4-FFF2-40B4-BE49-F238E27FC236}">
-                <a16:creationId xmlns:a16="http://schemas.microsoft.com/office/drawing/2014/main" id="{B270607C-46C4-0FE0-ADF6-99937BD6E2F2}"/>
+                <a16:creationId xmlns:a16="http://schemas.microsoft.com/office/drawing/2014/main" id="{57539FE8-2857-3B5B-DCAD-00828F7BC161}"/>
               </a:ext>
             </a:extLst>
           </p:cNvPr>
@@ -1808,7 +1808,7 @@
           <a:bodyPr/>
           <a:lstStyle/>
           <a:p>
-            <a:fld id="{9A72A45F-1DB0-46C9-941C-FA03A5DA54D3}" type="datetimeFigureOut">
+            <a:fld id="{D331E944-9AF7-49B9-AC5F-5119943427A5}" type="datetimeFigureOut">
               <a:rPr lang="zh-CN" altLang="en-US" smtClean="0"/>
               <a:t>2024/3/10</a:t>
             </a:fld>
@@ -1821,7 +1821,7 @@
           <p:cNvPr id="8" name="页脚占位符 7">
             <a:extLst>
               <a:ext uri="{FF2B5EF4-FFF2-40B4-BE49-F238E27FC236}">
-                <a16:creationId xmlns:a16="http://schemas.microsoft.com/office/drawing/2014/main" id="{563785E6-69B5-E2B9-74C8-2E50375BD927}"/>
+                <a16:creationId xmlns:a16="http://schemas.microsoft.com/office/drawing/2014/main" id="{57809DBE-6F41-E3A4-D717-8B82C9041544}"/>
               </a:ext>
             </a:extLst>
           </p:cNvPr>
@@ -1846,7 +1846,7 @@
           <p:cNvPr id="9" name="灯片编号占位符 8">
             <a:extLst>
               <a:ext uri="{FF2B5EF4-FFF2-40B4-BE49-F238E27FC236}">
-                <a16:creationId xmlns:a16="http://schemas.microsoft.com/office/drawing/2014/main" id="{0827AF72-C68A-ECAC-6DCE-BC5930BEE27F}"/>
+                <a16:creationId xmlns:a16="http://schemas.microsoft.com/office/drawing/2014/main" id="{90272658-DC95-8C41-1EEC-5FB604E78F13}"/>
               </a:ext>
             </a:extLst>
           </p:cNvPr>
@@ -1862,7 +1862,7 @@
           <a:bodyPr/>
           <a:lstStyle/>
           <a:p>
-            <a:fld id="{2FF7907A-8093-490A-A382-A47475755B94}" type="slidenum">
+            <a:fld id="{AB5CC25A-85EB-4D6B-A5FA-71DE27B694C6}" type="slidenum">
               <a:rPr lang="zh-CN" altLang="en-US" smtClean="0"/>
               <a:t>‹#›</a:t>
             </a:fld>
@@ -1873,7 +1873,7 @@
     </p:spTree>
     <p:extLst>
       <p:ext uri="{BB962C8B-B14F-4D97-AF65-F5344CB8AC3E}">
-        <p14:creationId xmlns:p14="http://schemas.microsoft.com/office/powerpoint/2010/main" val="3146328199"/>
+        <p14:creationId xmlns:p14="http://schemas.microsoft.com/office/powerpoint/2010/main" val="3204817137"/>
       </p:ext>
     </p:extLst>
   </p:cSld>
@@ -1905,7 +1905,7 @@
           <p:cNvPr id="2" name="标题 1">
             <a:extLst>
               <a:ext uri="{FF2B5EF4-FFF2-40B4-BE49-F238E27FC236}">
-                <a16:creationId xmlns:a16="http://schemas.microsoft.com/office/drawing/2014/main" id="{2BA41105-0913-B205-35B4-6715A4E6C495}"/>
+                <a16:creationId xmlns:a16="http://schemas.microsoft.com/office/drawing/2014/main" id="{B288E3D7-52CF-3958-595F-C787E001238F}"/>
               </a:ext>
             </a:extLst>
           </p:cNvPr>
@@ -1933,7 +1933,7 @@
           <p:cNvPr id="3" name="日期占位符 2">
             <a:extLst>
               <a:ext uri="{FF2B5EF4-FFF2-40B4-BE49-F238E27FC236}">
-                <a16:creationId xmlns:a16="http://schemas.microsoft.com/office/drawing/2014/main" id="{3462C6B7-98DC-A09F-D4F1-E926440EB4EA}"/>
+                <a16:creationId xmlns:a16="http://schemas.microsoft.com/office/drawing/2014/main" id="{53E0E608-D390-69D8-3E68-0480A615DD02}"/>
               </a:ext>
             </a:extLst>
           </p:cNvPr>
@@ -1949,7 +1949,7 @@
           <a:bodyPr/>
           <a:lstStyle/>
           <a:p>
-            <a:fld id="{9A72A45F-1DB0-46C9-941C-FA03A5DA54D3}" type="datetimeFigureOut">
+            <a:fld id="{D331E944-9AF7-49B9-AC5F-5119943427A5}" type="datetimeFigureOut">
               <a:rPr lang="zh-CN" altLang="en-US" smtClean="0"/>
               <a:t>2024/3/10</a:t>
             </a:fld>
@@ -1962,7 +1962,7 @@
           <p:cNvPr id="4" name="页脚占位符 3">
             <a:extLst>
               <a:ext uri="{FF2B5EF4-FFF2-40B4-BE49-F238E27FC236}">
-                <a16:creationId xmlns:a16="http://schemas.microsoft.com/office/drawing/2014/main" id="{2E474930-DAF5-AE21-9097-8D0EDC901684}"/>
+                <a16:creationId xmlns:a16="http://schemas.microsoft.com/office/drawing/2014/main" id="{53F1EE7E-E61C-94EF-DC24-4087FF8B88B4}"/>
               </a:ext>
             </a:extLst>
           </p:cNvPr>
@@ -1987,7 +1987,7 @@
           <p:cNvPr id="5" name="灯片编号占位符 4">
             <a:extLst>
               <a:ext uri="{FF2B5EF4-FFF2-40B4-BE49-F238E27FC236}">
-                <a16:creationId xmlns:a16="http://schemas.microsoft.com/office/drawing/2014/main" id="{47EF0164-8982-72A1-FB20-5DDA813FDF4D}"/>
+                <a16:creationId xmlns:a16="http://schemas.microsoft.com/office/drawing/2014/main" id="{286454F4-0F58-AFC2-F0DC-4D15062B198C}"/>
               </a:ext>
             </a:extLst>
           </p:cNvPr>
@@ -2003,7 +2003,7 @@
           <a:bodyPr/>
           <a:lstStyle/>
           <a:p>
-            <a:fld id="{2FF7907A-8093-490A-A382-A47475755B94}" type="slidenum">
+            <a:fld id="{AB5CC25A-85EB-4D6B-A5FA-71DE27B694C6}" type="slidenum">
               <a:rPr lang="zh-CN" altLang="en-US" smtClean="0"/>
               <a:t>‹#›</a:t>
             </a:fld>
@@ -2014,7 +2014,7 @@
     </p:spTree>
     <p:extLst>
       <p:ext uri="{BB962C8B-B14F-4D97-AF65-F5344CB8AC3E}">
-        <p14:creationId xmlns:p14="http://schemas.microsoft.com/office/powerpoint/2010/main" val="4195119584"/>
+        <p14:creationId xmlns:p14="http://schemas.microsoft.com/office/powerpoint/2010/main" val="3156378435"/>
       </p:ext>
     </p:extLst>
   </p:cSld>
@@ -2046,7 +2046,7 @@
           <p:cNvPr id="2" name="日期占位符 1">
             <a:extLst>
               <a:ext uri="{FF2B5EF4-FFF2-40B4-BE49-F238E27FC236}">
-                <a16:creationId xmlns:a16="http://schemas.microsoft.com/office/drawing/2014/main" id="{AA8B883C-8AE5-D0C1-654C-5A9D44A8190B}"/>
+                <a16:creationId xmlns:a16="http://schemas.microsoft.com/office/drawing/2014/main" id="{1EC1D885-E2E0-0498-B956-7EDE2892FEFB}"/>
               </a:ext>
             </a:extLst>
           </p:cNvPr>
@@ -2062,7 +2062,7 @@
           <a:bodyPr/>
           <a:lstStyle/>
           <a:p>
-            <a:fld id="{9A72A45F-1DB0-46C9-941C-FA03A5DA54D3}" type="datetimeFigureOut">
+            <a:fld id="{D331E944-9AF7-49B9-AC5F-5119943427A5}" type="datetimeFigureOut">
               <a:rPr lang="zh-CN" altLang="en-US" smtClean="0"/>
               <a:t>2024/3/10</a:t>
             </a:fld>
@@ -2075,7 +2075,7 @@
           <p:cNvPr id="3" name="页脚占位符 2">
             <a:extLst>
               <a:ext uri="{FF2B5EF4-FFF2-40B4-BE49-F238E27FC236}">
-                <a16:creationId xmlns:a16="http://schemas.microsoft.com/office/drawing/2014/main" id="{C4FE9115-4433-2F3E-5843-CEE135D7274D}"/>
+                <a16:creationId xmlns:a16="http://schemas.microsoft.com/office/drawing/2014/main" id="{3B35B655-5A07-5054-ABF2-08450892FF7A}"/>
               </a:ext>
             </a:extLst>
           </p:cNvPr>
@@ -2100,7 +2100,7 @@
           <p:cNvPr id="4" name="灯片编号占位符 3">
             <a:extLst>
               <a:ext uri="{FF2B5EF4-FFF2-40B4-BE49-F238E27FC236}">
-                <a16:creationId xmlns:a16="http://schemas.microsoft.com/office/drawing/2014/main" id="{74B36733-E9A8-06DD-50E4-4492C9B10D46}"/>
+                <a16:creationId xmlns:a16="http://schemas.microsoft.com/office/drawing/2014/main" id="{A2FD29BA-5E19-9E29-2B48-B2EEDDBDB906}"/>
               </a:ext>
             </a:extLst>
           </p:cNvPr>
@@ -2116,7 +2116,7 @@
           <a:bodyPr/>
           <a:lstStyle/>
           <a:p>
-            <a:fld id="{2FF7907A-8093-490A-A382-A47475755B94}" type="slidenum">
+            <a:fld id="{AB5CC25A-85EB-4D6B-A5FA-71DE27B694C6}" type="slidenum">
               <a:rPr lang="zh-CN" altLang="en-US" smtClean="0"/>
               <a:t>‹#›</a:t>
             </a:fld>
@@ -2127,7 +2127,7 @@
     </p:spTree>
     <p:extLst>
       <p:ext uri="{BB962C8B-B14F-4D97-AF65-F5344CB8AC3E}">
-        <p14:creationId xmlns:p14="http://schemas.microsoft.com/office/powerpoint/2010/main" val="1423066302"/>
+        <p14:creationId xmlns:p14="http://schemas.microsoft.com/office/powerpoint/2010/main" val="2941906759"/>
       </p:ext>
     </p:extLst>
   </p:cSld>
@@ -2159,7 +2159,7 @@
           <p:cNvPr id="2" name="标题 1">
             <a:extLst>
               <a:ext uri="{FF2B5EF4-FFF2-40B4-BE49-F238E27FC236}">
-                <a16:creationId xmlns:a16="http://schemas.microsoft.com/office/drawing/2014/main" id="{46F2CFC1-69F3-830F-242F-B112C20A2972}"/>
+                <a16:creationId xmlns:a16="http://schemas.microsoft.com/office/drawing/2014/main" id="{E129533E-DD4E-25A9-C884-E984617217C0}"/>
               </a:ext>
             </a:extLst>
           </p:cNvPr>
@@ -2196,7 +2196,7 @@
           <p:cNvPr id="3" name="内容占位符 2">
             <a:extLst>
               <a:ext uri="{FF2B5EF4-FFF2-40B4-BE49-F238E27FC236}">
-                <a16:creationId xmlns:a16="http://schemas.microsoft.com/office/drawing/2014/main" id="{7832039E-BA8F-B098-12E4-35D4388E61BA}"/>
+                <a16:creationId xmlns:a16="http://schemas.microsoft.com/office/drawing/2014/main" id="{41F42F2D-ACFF-E7DD-BC93-D4414CB30D5B}"/>
               </a:ext>
             </a:extLst>
           </p:cNvPr>
@@ -2286,7 +2286,7 @@
           <p:cNvPr id="4" name="文本占位符 3">
             <a:extLst>
               <a:ext uri="{FF2B5EF4-FFF2-40B4-BE49-F238E27FC236}">
-                <a16:creationId xmlns:a16="http://schemas.microsoft.com/office/drawing/2014/main" id="{5BE10A8C-9348-A664-94C5-482E0F49A785}"/>
+                <a16:creationId xmlns:a16="http://schemas.microsoft.com/office/drawing/2014/main" id="{C6198073-7E06-52A7-488E-7D15B0E277C0}"/>
               </a:ext>
             </a:extLst>
           </p:cNvPr>
@@ -2357,7 +2357,7 @@
           <p:cNvPr id="5" name="日期占位符 4">
             <a:extLst>
               <a:ext uri="{FF2B5EF4-FFF2-40B4-BE49-F238E27FC236}">
-                <a16:creationId xmlns:a16="http://schemas.microsoft.com/office/drawing/2014/main" id="{1E683CBE-E089-BF8F-2F4E-E9620BEFADA6}"/>
+                <a16:creationId xmlns:a16="http://schemas.microsoft.com/office/drawing/2014/main" id="{AB03C0F3-E04B-F85D-6DAB-38BAD1484C02}"/>
               </a:ext>
             </a:extLst>
           </p:cNvPr>
@@ -2373,7 +2373,7 @@
           <a:bodyPr/>
           <a:lstStyle/>
           <a:p>
-            <a:fld id="{9A72A45F-1DB0-46C9-941C-FA03A5DA54D3}" type="datetimeFigureOut">
+            <a:fld id="{D331E944-9AF7-49B9-AC5F-5119943427A5}" type="datetimeFigureOut">
               <a:rPr lang="zh-CN" altLang="en-US" smtClean="0"/>
               <a:t>2024/3/10</a:t>
             </a:fld>
@@ -2386,7 +2386,7 @@
           <p:cNvPr id="6" name="页脚占位符 5">
             <a:extLst>
               <a:ext uri="{FF2B5EF4-FFF2-40B4-BE49-F238E27FC236}">
-                <a16:creationId xmlns:a16="http://schemas.microsoft.com/office/drawing/2014/main" id="{E30ACB75-7AFE-5EF8-3165-38E292A8D88D}"/>
+                <a16:creationId xmlns:a16="http://schemas.microsoft.com/office/drawing/2014/main" id="{4334A474-B44F-68CF-99EF-7C91DA2C7037}"/>
               </a:ext>
             </a:extLst>
           </p:cNvPr>
@@ -2411,7 +2411,7 @@
           <p:cNvPr id="7" name="灯片编号占位符 6">
             <a:extLst>
               <a:ext uri="{FF2B5EF4-FFF2-40B4-BE49-F238E27FC236}">
-                <a16:creationId xmlns:a16="http://schemas.microsoft.com/office/drawing/2014/main" id="{F1634A77-5F72-CA3D-259C-3A8C68D572A7}"/>
+                <a16:creationId xmlns:a16="http://schemas.microsoft.com/office/drawing/2014/main" id="{8BFC798D-0B9A-98CF-6EE2-F3FE91908309}"/>
               </a:ext>
             </a:extLst>
           </p:cNvPr>
@@ -2427,7 +2427,7 @@
           <a:bodyPr/>
           <a:lstStyle/>
           <a:p>
-            <a:fld id="{2FF7907A-8093-490A-A382-A47475755B94}" type="slidenum">
+            <a:fld id="{AB5CC25A-85EB-4D6B-A5FA-71DE27B694C6}" type="slidenum">
               <a:rPr lang="zh-CN" altLang="en-US" smtClean="0"/>
               <a:t>‹#›</a:t>
             </a:fld>
@@ -2438,7 +2438,7 @@
     </p:spTree>
     <p:extLst>
       <p:ext uri="{BB962C8B-B14F-4D97-AF65-F5344CB8AC3E}">
-        <p14:creationId xmlns:p14="http://schemas.microsoft.com/office/powerpoint/2010/main" val="931542219"/>
+        <p14:creationId xmlns:p14="http://schemas.microsoft.com/office/powerpoint/2010/main" val="1470064107"/>
       </p:ext>
     </p:extLst>
   </p:cSld>
@@ -2470,7 +2470,7 @@
           <p:cNvPr id="2" name="标题 1">
             <a:extLst>
               <a:ext uri="{FF2B5EF4-FFF2-40B4-BE49-F238E27FC236}">
-                <a16:creationId xmlns:a16="http://schemas.microsoft.com/office/drawing/2014/main" id="{7AA3DEEB-9711-297A-BCAD-17D5BBEA3009}"/>
+                <a16:creationId xmlns:a16="http://schemas.microsoft.com/office/drawing/2014/main" id="{76D6116A-C96F-6CA7-4B25-DB1A27355C5E}"/>
               </a:ext>
             </a:extLst>
           </p:cNvPr>
@@ -2507,7 +2507,7 @@
           <p:cNvPr id="3" name="图片占位符 2">
             <a:extLst>
               <a:ext uri="{FF2B5EF4-FFF2-40B4-BE49-F238E27FC236}">
-                <a16:creationId xmlns:a16="http://schemas.microsoft.com/office/drawing/2014/main" id="{38287F2E-E5DF-1F49-5651-02E0762FA66F}"/>
+                <a16:creationId xmlns:a16="http://schemas.microsoft.com/office/drawing/2014/main" id="{6071E8C4-94FB-0B03-F1D5-FB4C06160B92}"/>
               </a:ext>
             </a:extLst>
           </p:cNvPr>
@@ -2574,7 +2574,7 @@
           <p:cNvPr id="4" name="文本占位符 3">
             <a:extLst>
               <a:ext uri="{FF2B5EF4-FFF2-40B4-BE49-F238E27FC236}">
-                <a16:creationId xmlns:a16="http://schemas.microsoft.com/office/drawing/2014/main" id="{8E9D54CF-4CF0-7B8C-C134-659A529B9094}"/>
+                <a16:creationId xmlns:a16="http://schemas.microsoft.com/office/drawing/2014/main" id="{63A01C21-70EB-D9D4-BB42-305A8C1F793E}"/>
               </a:ext>
             </a:extLst>
           </p:cNvPr>
@@ -2645,7 +2645,7 @@
           <p:cNvPr id="5" name="日期占位符 4">
             <a:extLst>
               <a:ext uri="{FF2B5EF4-FFF2-40B4-BE49-F238E27FC236}">
-                <a16:creationId xmlns:a16="http://schemas.microsoft.com/office/drawing/2014/main" id="{156C3AF4-8C42-F509-6E7B-BE618B35C293}"/>
+                <a16:creationId xmlns:a16="http://schemas.microsoft.com/office/drawing/2014/main" id="{E57DE73B-A540-CF29-47E6-9565D7B47A7F}"/>
               </a:ext>
             </a:extLst>
           </p:cNvPr>
@@ -2661,7 +2661,7 @@
           <a:bodyPr/>
           <a:lstStyle/>
           <a:p>
-            <a:fld id="{9A72A45F-1DB0-46C9-941C-FA03A5DA54D3}" type="datetimeFigureOut">
+            <a:fld id="{D331E944-9AF7-49B9-AC5F-5119943427A5}" type="datetimeFigureOut">
               <a:rPr lang="zh-CN" altLang="en-US" smtClean="0"/>
               <a:t>2024/3/10</a:t>
             </a:fld>
@@ -2674,7 +2674,7 @@
           <p:cNvPr id="6" name="页脚占位符 5">
             <a:extLst>
               <a:ext uri="{FF2B5EF4-FFF2-40B4-BE49-F238E27FC236}">
-                <a16:creationId xmlns:a16="http://schemas.microsoft.com/office/drawing/2014/main" id="{400978A6-F949-6D22-6BBD-200587181790}"/>
+                <a16:creationId xmlns:a16="http://schemas.microsoft.com/office/drawing/2014/main" id="{5D5D14C7-068A-C0E8-88FE-D4930826AFB4}"/>
               </a:ext>
             </a:extLst>
           </p:cNvPr>
@@ -2699,7 +2699,7 @@
           <p:cNvPr id="7" name="灯片编号占位符 6">
             <a:extLst>
               <a:ext uri="{FF2B5EF4-FFF2-40B4-BE49-F238E27FC236}">
-                <a16:creationId xmlns:a16="http://schemas.microsoft.com/office/drawing/2014/main" id="{A022557F-7086-FED2-C8A0-53F4E7E0E8E6}"/>
+                <a16:creationId xmlns:a16="http://schemas.microsoft.com/office/drawing/2014/main" id="{AFA4CBCD-80DC-BAF6-71BE-2620D7BA3098}"/>
               </a:ext>
             </a:extLst>
           </p:cNvPr>
@@ -2715,7 +2715,7 @@
           <a:bodyPr/>
           <a:lstStyle/>
           <a:p>
-            <a:fld id="{2FF7907A-8093-490A-A382-A47475755B94}" type="slidenum">
+            <a:fld id="{AB5CC25A-85EB-4D6B-A5FA-71DE27B694C6}" type="slidenum">
               <a:rPr lang="zh-CN" altLang="en-US" smtClean="0"/>
               <a:t>‹#›</a:t>
             </a:fld>
@@ -2726,7 +2726,7 @@
     </p:spTree>
     <p:extLst>
       <p:ext uri="{BB962C8B-B14F-4D97-AF65-F5344CB8AC3E}">
-        <p14:creationId xmlns:p14="http://schemas.microsoft.com/office/powerpoint/2010/main" val="3252889812"/>
+        <p14:creationId xmlns:p14="http://schemas.microsoft.com/office/powerpoint/2010/main" val="2999133482"/>
       </p:ext>
     </p:extLst>
   </p:cSld>
@@ -2763,7 +2763,7 @@
           <p:cNvPr id="2" name="标题占位符 1">
             <a:extLst>
               <a:ext uri="{FF2B5EF4-FFF2-40B4-BE49-F238E27FC236}">
-                <a16:creationId xmlns:a16="http://schemas.microsoft.com/office/drawing/2014/main" id="{20CDFE8F-A501-81A3-13A4-92402E42F563}"/>
+                <a16:creationId xmlns:a16="http://schemas.microsoft.com/office/drawing/2014/main" id="{A6348840-AF3F-6124-4CCA-7D39142D4420}"/>
               </a:ext>
             </a:extLst>
           </p:cNvPr>
@@ -2801,7 +2801,7 @@
           <p:cNvPr id="3" name="文本占位符 2">
             <a:extLst>
               <a:ext uri="{FF2B5EF4-FFF2-40B4-BE49-F238E27FC236}">
-                <a16:creationId xmlns:a16="http://schemas.microsoft.com/office/drawing/2014/main" id="{C454A3C8-3A81-6F48-9010-BFFCFF3A84AE}"/>
+                <a16:creationId xmlns:a16="http://schemas.microsoft.com/office/drawing/2014/main" id="{1A3775CB-DD61-5F9B-4DE8-A768812F7CF5}"/>
               </a:ext>
             </a:extLst>
           </p:cNvPr>
@@ -2868,7 +2868,7 @@
           <p:cNvPr id="4" name="日期占位符 3">
             <a:extLst>
               <a:ext uri="{FF2B5EF4-FFF2-40B4-BE49-F238E27FC236}">
-                <a16:creationId xmlns:a16="http://schemas.microsoft.com/office/drawing/2014/main" id="{33EFB70B-DBBC-EC85-F00C-816FD159A1A8}"/>
+                <a16:creationId xmlns:a16="http://schemas.microsoft.com/office/drawing/2014/main" id="{4ED18AFD-96E7-B6C6-138F-60616AA9D6C4}"/>
               </a:ext>
             </a:extLst>
           </p:cNvPr>
@@ -2902,7 +2902,7 @@
             </a:lvl1pPr>
           </a:lstStyle>
           <a:p>
-            <a:fld id="{9A72A45F-1DB0-46C9-941C-FA03A5DA54D3}" type="datetimeFigureOut">
+            <a:fld id="{D331E944-9AF7-49B9-AC5F-5119943427A5}" type="datetimeFigureOut">
               <a:rPr lang="zh-CN" altLang="en-US" smtClean="0"/>
               <a:t>2024/3/10</a:t>
             </a:fld>
@@ -2915,7 +2915,7 @@
           <p:cNvPr id="5" name="页脚占位符 4">
             <a:extLst>
               <a:ext uri="{FF2B5EF4-FFF2-40B4-BE49-F238E27FC236}">
-                <a16:creationId xmlns:a16="http://schemas.microsoft.com/office/drawing/2014/main" id="{8D1B2ED7-0653-9460-5CD9-F118E8900342}"/>
+                <a16:creationId xmlns:a16="http://schemas.microsoft.com/office/drawing/2014/main" id="{10E83AC5-5719-8114-5887-3A209A8BCD6D}"/>
               </a:ext>
             </a:extLst>
           </p:cNvPr>
@@ -2958,7 +2958,7 @@
           <p:cNvPr id="6" name="灯片编号占位符 5">
             <a:extLst>
               <a:ext uri="{FF2B5EF4-FFF2-40B4-BE49-F238E27FC236}">
-                <a16:creationId xmlns:a16="http://schemas.microsoft.com/office/drawing/2014/main" id="{7BFFCB6D-FC97-EC44-6B26-6827A73D745E}"/>
+                <a16:creationId xmlns:a16="http://schemas.microsoft.com/office/drawing/2014/main" id="{3C7D47DC-DFCE-6A19-22DA-9990A1003823}"/>
               </a:ext>
             </a:extLst>
           </p:cNvPr>
@@ -2992,7 +2992,7 @@
             </a:lvl1pPr>
           </a:lstStyle>
           <a:p>
-            <a:fld id="{2FF7907A-8093-490A-A382-A47475755B94}" type="slidenum">
+            <a:fld id="{AB5CC25A-85EB-4D6B-A5FA-71DE27B694C6}" type="slidenum">
               <a:rPr lang="zh-CN" altLang="en-US" smtClean="0"/>
               <a:t>‹#›</a:t>
             </a:fld>
@@ -3003,7 +3003,7 @@
     </p:spTree>
     <p:extLst>
       <p:ext uri="{BB962C8B-B14F-4D97-AF65-F5344CB8AC3E}">
-        <p14:creationId xmlns:p14="http://schemas.microsoft.com/office/powerpoint/2010/main" val="1822218293"/>
+        <p14:creationId xmlns:p14="http://schemas.microsoft.com/office/powerpoint/2010/main" val="3626573550"/>
       </p:ext>
     </p:extLst>
   </p:cSld>
@@ -3323,7 +3323,7 @@
       </p:grpSpPr>
       <p:pic>
         <p:nvPicPr>
-          <p:cNvPr id="616450" name="Picture 2" descr="601"/>
+          <p:cNvPr id="617474" name="Picture 2" descr="602"/>
           <p:cNvPicPr>
             <a:picLocks noChangeAspect="1" noChangeArrowheads="1"/>
           </p:cNvPicPr>
